--- a/Documentation/Webapp MAP.pptx
+++ b/Documentation/Webapp MAP.pptx
@@ -105,6 +105,11 @@
       </a:defRPr>
     </a:lvl9pPr>
   </p:defaultTextStyle>
+  <p:extLst>
+    <p:ext uri="{EFAFB233-063F-42B5-8137-9DF3F51BA10A}">
+      <p15:sldGuideLst xmlns:p15="http://schemas.microsoft.com/office/powerpoint/2012/main"/>
+    </p:ext>
+  </p:extLst>
 </p:presentation>
 </file>
 
@@ -3651,10 +3656,10 @@
       </p:sp>
       <p:pic>
         <p:nvPicPr>
-          <p:cNvPr id="5" name="Picture 4">
-            <a:extLst>
-              <a:ext uri="{FF2B5EF4-FFF2-40B4-BE49-F238E27FC236}">
-                <a16:creationId xmlns:a16="http://schemas.microsoft.com/office/drawing/2014/main" id="{8855B6B0-BD29-5C4E-B717-D584B7C7D821}"/>
+          <p:cNvPr id="2" name="Picture 1">
+            <a:extLst>
+              <a:ext uri="{FF2B5EF4-FFF2-40B4-BE49-F238E27FC236}">
+                <a16:creationId xmlns:a16="http://schemas.microsoft.com/office/drawing/2014/main" id="{323359E4-3E6E-B248-8937-ADB6B40B01BC}"/>
               </a:ext>
             </a:extLst>
           </p:cNvPr>
@@ -3671,8 +3676,8 @@
         </p:blipFill>
         <p:spPr>
           <a:xfrm>
-            <a:off x="3920789" y="1176793"/>
-            <a:ext cx="4093329" cy="4548146"/>
+            <a:off x="3646111" y="362607"/>
+            <a:ext cx="4834462" cy="6132786"/>
           </a:xfrm>
           <a:prstGeom prst="rect">
             <a:avLst/>
@@ -3711,10 +3716,10 @@
       </p:grpSpPr>
       <p:pic>
         <p:nvPicPr>
-          <p:cNvPr id="4" name="Picture 3">
-            <a:extLst>
-              <a:ext uri="{FF2B5EF4-FFF2-40B4-BE49-F238E27FC236}">
-                <a16:creationId xmlns:a16="http://schemas.microsoft.com/office/drawing/2014/main" id="{7B693495-D997-1D4B-B470-0E9445E8B413}"/>
+          <p:cNvPr id="2" name="Picture 1">
+            <a:extLst>
+              <a:ext uri="{FF2B5EF4-FFF2-40B4-BE49-F238E27FC236}">
+                <a16:creationId xmlns:a16="http://schemas.microsoft.com/office/drawing/2014/main" id="{999D861C-D624-B042-B4B0-E06F4AA2B757}"/>
               </a:ext>
             </a:extLst>
           </p:cNvPr>
@@ -3731,8 +3736,8 @@
         </p:blipFill>
         <p:spPr>
           <a:xfrm>
-            <a:off x="3013306" y="0"/>
-            <a:ext cx="6165387" cy="6858000"/>
+            <a:off x="3183392" y="86497"/>
+            <a:ext cx="5825215" cy="6685005"/>
           </a:xfrm>
           <a:prstGeom prst="rect">
             <a:avLst/>
